--- a/docs/employee-management-system.pptx
+++ b/docs/employee-management-system.pptx
@@ -10,8 +10,8 @@
     <p:sldId id="259" r:id="rId4"/>
     <p:sldId id="264" r:id="rId5"/>
     <p:sldId id="258" r:id="rId6"/>
-    <p:sldId id="261" r:id="rId7"/>
-    <p:sldId id="262" r:id="rId8"/>
+    <p:sldId id="262" r:id="rId7"/>
+    <p:sldId id="261" r:id="rId8"/>
     <p:sldId id="263" r:id="rId9"/>
     <p:sldId id="265" r:id="rId10"/>
     <p:sldId id="260" r:id="rId11"/>
@@ -268,7 +268,7 @@
           <a:p>
             <a:fld id="{B98924CC-0B0C-4517-9F72-E64E97373B52}" type="datetimeFigureOut">
               <a:rPr lang="hu-HU" smtClean="0"/>
-              <a:t>2025. 10. 31.</a:t>
+              <a:t>2025. 11. 02.</a:t>
             </a:fld>
             <a:endParaRPr lang="hu-HU"/>
           </a:p>
@@ -466,7 +466,7 @@
           <a:p>
             <a:fld id="{B98924CC-0B0C-4517-9F72-E64E97373B52}" type="datetimeFigureOut">
               <a:rPr lang="hu-HU" smtClean="0"/>
-              <a:t>2025. 10. 31.</a:t>
+              <a:t>2025. 11. 02.</a:t>
             </a:fld>
             <a:endParaRPr lang="hu-HU"/>
           </a:p>
@@ -674,7 +674,7 @@
           <a:p>
             <a:fld id="{B98924CC-0B0C-4517-9F72-E64E97373B52}" type="datetimeFigureOut">
               <a:rPr lang="hu-HU" smtClean="0"/>
-              <a:t>2025. 10. 31.</a:t>
+              <a:t>2025. 11. 02.</a:t>
             </a:fld>
             <a:endParaRPr lang="hu-HU"/>
           </a:p>
@@ -872,7 +872,7 @@
           <a:p>
             <a:fld id="{B98924CC-0B0C-4517-9F72-E64E97373B52}" type="datetimeFigureOut">
               <a:rPr lang="hu-HU" smtClean="0"/>
-              <a:t>2025. 10. 31.</a:t>
+              <a:t>2025. 11. 02.</a:t>
             </a:fld>
             <a:endParaRPr lang="hu-HU"/>
           </a:p>
@@ -1147,7 +1147,7 @@
           <a:p>
             <a:fld id="{B98924CC-0B0C-4517-9F72-E64E97373B52}" type="datetimeFigureOut">
               <a:rPr lang="hu-HU" smtClean="0"/>
-              <a:t>2025. 10. 31.</a:t>
+              <a:t>2025. 11. 02.</a:t>
             </a:fld>
             <a:endParaRPr lang="hu-HU"/>
           </a:p>
@@ -1412,7 +1412,7 @@
           <a:p>
             <a:fld id="{B98924CC-0B0C-4517-9F72-E64E97373B52}" type="datetimeFigureOut">
               <a:rPr lang="hu-HU" smtClean="0"/>
-              <a:t>2025. 10. 31.</a:t>
+              <a:t>2025. 11. 02.</a:t>
             </a:fld>
             <a:endParaRPr lang="hu-HU"/>
           </a:p>
@@ -1824,7 +1824,7 @@
           <a:p>
             <a:fld id="{B98924CC-0B0C-4517-9F72-E64E97373B52}" type="datetimeFigureOut">
               <a:rPr lang="hu-HU" smtClean="0"/>
-              <a:t>2025. 10. 31.</a:t>
+              <a:t>2025. 11. 02.</a:t>
             </a:fld>
             <a:endParaRPr lang="hu-HU"/>
           </a:p>
@@ -1965,7 +1965,7 @@
           <a:p>
             <a:fld id="{B98924CC-0B0C-4517-9F72-E64E97373B52}" type="datetimeFigureOut">
               <a:rPr lang="hu-HU" smtClean="0"/>
-              <a:t>2025. 10. 31.</a:t>
+              <a:t>2025. 11. 02.</a:t>
             </a:fld>
             <a:endParaRPr lang="hu-HU"/>
           </a:p>
@@ -2078,7 +2078,7 @@
           <a:p>
             <a:fld id="{B98924CC-0B0C-4517-9F72-E64E97373B52}" type="datetimeFigureOut">
               <a:rPr lang="hu-HU" smtClean="0"/>
-              <a:t>2025. 10. 31.</a:t>
+              <a:t>2025. 11. 02.</a:t>
             </a:fld>
             <a:endParaRPr lang="hu-HU"/>
           </a:p>
@@ -2389,7 +2389,7 @@
           <a:p>
             <a:fld id="{B98924CC-0B0C-4517-9F72-E64E97373B52}" type="datetimeFigureOut">
               <a:rPr lang="hu-HU" smtClean="0"/>
-              <a:t>2025. 10. 31.</a:t>
+              <a:t>2025. 11. 02.</a:t>
             </a:fld>
             <a:endParaRPr lang="hu-HU"/>
           </a:p>
@@ -2677,7 +2677,7 @@
           <a:p>
             <a:fld id="{B98924CC-0B0C-4517-9F72-E64E97373B52}" type="datetimeFigureOut">
               <a:rPr lang="hu-HU" smtClean="0"/>
-              <a:t>2025. 10. 31.</a:t>
+              <a:t>2025. 11. 02.</a:t>
             </a:fld>
             <a:endParaRPr lang="hu-HU"/>
           </a:p>
@@ -2918,7 +2918,7 @@
           <a:p>
             <a:fld id="{B98924CC-0B0C-4517-9F72-E64E97373B52}" type="datetimeFigureOut">
               <a:rPr lang="hu-HU" smtClean="0"/>
-              <a:t>2025. 10. 31.</a:t>
+              <a:t>2025. 11. 02.</a:t>
             </a:fld>
             <a:endParaRPr lang="hu-HU"/>
           </a:p>
@@ -4031,7 +4031,7 @@
           <p:cNvPr id="2" name="Cím 1">
             <a:extLst>
               <a:ext uri="{FF2B5EF4-FFF2-40B4-BE49-F238E27FC236}">
-                <a16:creationId xmlns:a16="http://schemas.microsoft.com/office/drawing/2014/main" id="{BC189CDA-5E06-EF0F-D09F-43E0D29EDCAD}"/>
+                <a16:creationId xmlns:a16="http://schemas.microsoft.com/office/drawing/2014/main" id="{0EFFB5CA-1289-E49A-D6AC-DC29EA5BD411}"/>
               </a:ext>
             </a:extLst>
           </p:cNvPr>
@@ -4057,7 +4057,21 @@
                 <a:latin typeface="Times New Roman" panose="02020603050405020304" pitchFamily="18" charset="0"/>
                 <a:cs typeface="Times New Roman" panose="02020603050405020304" pitchFamily="18" charset="0"/>
               </a:rPr>
-              <a:t>Iterator</a:t>
+              <a:t>Factory</a:t>
+            </a:r>
+            <a:r>
+              <a:rPr lang="hu-HU" dirty="0">
+                <a:latin typeface="Times New Roman" panose="02020603050405020304" pitchFamily="18" charset="0"/>
+                <a:cs typeface="Times New Roman" panose="02020603050405020304" pitchFamily="18" charset="0"/>
+              </a:rPr>
+              <a:t> </a:t>
+            </a:r>
+            <a:r>
+              <a:rPr lang="hu-HU" dirty="0" err="1">
+                <a:latin typeface="Times New Roman" panose="02020603050405020304" pitchFamily="18" charset="0"/>
+                <a:cs typeface="Times New Roman" panose="02020603050405020304" pitchFamily="18" charset="0"/>
+              </a:rPr>
+              <a:t>Method</a:t>
             </a:r>
             <a:endParaRPr lang="hu-HU" dirty="0">
               <a:latin typeface="Times New Roman" panose="02020603050405020304" pitchFamily="18" charset="0"/>
@@ -4071,7 +4085,7 @@
           <p:cNvPr id="3" name="Tartalom helye 2">
             <a:extLst>
               <a:ext uri="{FF2B5EF4-FFF2-40B4-BE49-F238E27FC236}">
-                <a16:creationId xmlns:a16="http://schemas.microsoft.com/office/drawing/2014/main" id="{34BD5CD8-DD91-968C-48BF-E16802B01D1A}"/>
+                <a16:creationId xmlns:a16="http://schemas.microsoft.com/office/drawing/2014/main" id="{2B9FBAF7-610D-FC9D-025B-F95834F11159}"/>
               </a:ext>
             </a:extLst>
           </p:cNvPr>
@@ -4084,13 +4098,13 @@
         </p:nvSpPr>
         <p:spPr>
           <a:xfrm>
-            <a:off x="0" y="1676400"/>
-            <a:ext cx="5305926" cy="5181599"/>
+            <a:off x="-1" y="1023938"/>
+            <a:ext cx="4791075" cy="5834062"/>
           </a:xfrm>
         </p:spPr>
         <p:txBody>
           <a:bodyPr>
-            <a:noAutofit/>
+            <a:normAutofit/>
           </a:bodyPr>
           <a:lstStyle/>
           <a:p>
@@ -4104,7 +4118,7 @@
                 <a:latin typeface="Times New Roman" panose="02020603050405020304" pitchFamily="18" charset="0"/>
                 <a:cs typeface="Times New Roman" panose="02020603050405020304" pitchFamily="18" charset="0"/>
               </a:rPr>
-              <a:t>Cél: listák egységes bejárása </a:t>
+              <a:t>Cél: megfelelő típusú dolgozó létrehozása </a:t>
             </a:r>
           </a:p>
           <a:p>
@@ -4114,11 +4128,32 @@
               </a:lnSpc>
             </a:pPr>
             <a:r>
+              <a:rPr lang="hu-HU" sz="2500" dirty="0" err="1">
+                <a:latin typeface="Times New Roman" panose="02020603050405020304" pitchFamily="18" charset="0"/>
+                <a:cs typeface="Times New Roman" panose="02020603050405020304" pitchFamily="18" charset="0"/>
+              </a:rPr>
+              <a:t>EmployeeFactory</a:t>
+            </a:r>
+            <a:r>
               <a:rPr lang="hu-HU" sz="2500" dirty="0">
                 <a:latin typeface="Times New Roman" panose="02020603050405020304" pitchFamily="18" charset="0"/>
                 <a:cs typeface="Times New Roman" panose="02020603050405020304" pitchFamily="18" charset="0"/>
               </a:rPr>
-              <a:t>Használat: dolgozók bejárása (IT / egyetemi) </a:t>
+              <a:t> – interfész (</a:t>
+            </a:r>
+            <a:r>
+              <a:rPr lang="hu-HU" sz="2500" dirty="0" err="1">
+                <a:latin typeface="Times New Roman" panose="02020603050405020304" pitchFamily="18" charset="0"/>
+                <a:cs typeface="Times New Roman" panose="02020603050405020304" pitchFamily="18" charset="0"/>
+              </a:rPr>
+              <a:t>createEmployee</a:t>
+            </a:r>
+            <a:r>
+              <a:rPr lang="hu-HU" sz="2500" dirty="0">
+                <a:latin typeface="Times New Roman" panose="02020603050405020304" pitchFamily="18" charset="0"/>
+                <a:cs typeface="Times New Roman" panose="02020603050405020304" pitchFamily="18" charset="0"/>
+              </a:rPr>
+              <a:t>)</a:t>
             </a:r>
           </a:p>
           <a:p>
@@ -4128,25 +4163,32 @@
               </a:lnSpc>
             </a:pPr>
             <a:r>
+              <a:rPr lang="hu-HU" sz="2500" dirty="0" err="1">
+                <a:latin typeface="Times New Roman" panose="02020603050405020304" pitchFamily="18" charset="0"/>
+                <a:cs typeface="Times New Roman" panose="02020603050405020304" pitchFamily="18" charset="0"/>
+              </a:rPr>
+              <a:t>EmployeeFactoryImpl</a:t>
+            </a:r>
+            <a:r>
               <a:rPr lang="hu-HU" sz="2500" dirty="0">
                 <a:latin typeface="Times New Roman" panose="02020603050405020304" pitchFamily="18" charset="0"/>
                 <a:cs typeface="Times New Roman" panose="02020603050405020304" pitchFamily="18" charset="0"/>
               </a:rPr>
-              <a:t>Osztály: </a:t>
+              <a:t> – típus eldöntése (IT / </a:t>
             </a:r>
             <a:r>
               <a:rPr lang="hu-HU" sz="2500" dirty="0" err="1">
                 <a:latin typeface="Times New Roman" panose="02020603050405020304" pitchFamily="18" charset="0"/>
                 <a:cs typeface="Times New Roman" panose="02020603050405020304" pitchFamily="18" charset="0"/>
               </a:rPr>
-              <a:t>EmployeeIterator</a:t>
+              <a:t>Uni</a:t>
             </a:r>
             <a:r>
               <a:rPr lang="hu-HU" sz="2500" dirty="0">
                 <a:latin typeface="Times New Roman" panose="02020603050405020304" pitchFamily="18" charset="0"/>
                 <a:cs typeface="Times New Roman" panose="02020603050405020304" pitchFamily="18" charset="0"/>
               </a:rPr>
-              <a:t> </a:t>
+              <a:t>) </a:t>
             </a:r>
           </a:p>
           <a:p>
@@ -4160,59 +4202,31 @@
                 <a:latin typeface="Times New Roman" panose="02020603050405020304" pitchFamily="18" charset="0"/>
                 <a:cs typeface="Times New Roman" panose="02020603050405020304" pitchFamily="18" charset="0"/>
               </a:rPr>
-              <a:t>Műveletek: </a:t>
+              <a:t>Előny: az App-</a:t>
             </a:r>
             <a:r>
               <a:rPr lang="hu-HU" sz="2500" dirty="0" err="1">
                 <a:latin typeface="Times New Roman" panose="02020603050405020304" pitchFamily="18" charset="0"/>
                 <a:cs typeface="Times New Roman" panose="02020603050405020304" pitchFamily="18" charset="0"/>
               </a:rPr>
-              <a:t>getNextElement</a:t>
+              <a:t>nak</a:t>
             </a:r>
             <a:r>
               <a:rPr lang="hu-HU" sz="2500" dirty="0">
                 <a:latin typeface="Times New Roman" panose="02020603050405020304" pitchFamily="18" charset="0"/>
                 <a:cs typeface="Times New Roman" panose="02020603050405020304" pitchFamily="18" charset="0"/>
               </a:rPr>
-              <a:t>(), </a:t>
-            </a:r>
-            <a:r>
-              <a:rPr lang="hu-HU" sz="2500" dirty="0" err="1">
-                <a:latin typeface="Times New Roman" panose="02020603050405020304" pitchFamily="18" charset="0"/>
-                <a:cs typeface="Times New Roman" panose="02020603050405020304" pitchFamily="18" charset="0"/>
-              </a:rPr>
-              <a:t>hasMoreElement</a:t>
-            </a:r>
-            <a:r>
-              <a:rPr lang="hu-HU" sz="2500" dirty="0">
-                <a:latin typeface="Times New Roman" panose="02020603050405020304" pitchFamily="18" charset="0"/>
-                <a:cs typeface="Times New Roman" panose="02020603050405020304" pitchFamily="18" charset="0"/>
-              </a:rPr>
-              <a:t>(), </a:t>
-            </a:r>
-            <a:r>
-              <a:rPr lang="hu-HU" sz="2500" dirty="0" err="1">
-                <a:latin typeface="Times New Roman" panose="02020603050405020304" pitchFamily="18" charset="0"/>
-                <a:cs typeface="Times New Roman" panose="02020603050405020304" pitchFamily="18" charset="0"/>
-              </a:rPr>
-              <a:t>resetIterator</a:t>
-            </a:r>
-            <a:r>
-              <a:rPr lang="hu-HU" sz="2500" dirty="0">
-                <a:latin typeface="Times New Roman" panose="02020603050405020304" pitchFamily="18" charset="0"/>
-                <a:cs typeface="Times New Roman" panose="02020603050405020304" pitchFamily="18" charset="0"/>
-              </a:rPr>
-              <a:t>()</a:t>
+              <a:t> nem kell tudnia, milyen objektum jön létre</a:t>
             </a:r>
           </a:p>
         </p:txBody>
       </p:sp>
       <p:pic>
         <p:nvPicPr>
-          <p:cNvPr id="6" name="Kép 5">
-            <a:extLst>
-              <a:ext uri="{FF2B5EF4-FFF2-40B4-BE49-F238E27FC236}">
-                <a16:creationId xmlns:a16="http://schemas.microsoft.com/office/drawing/2014/main" id="{6085B10F-E76A-5759-FACC-38C85EB9BBAF}"/>
+          <p:cNvPr id="5" name="Kép 4">
+            <a:extLst>
+              <a:ext uri="{FF2B5EF4-FFF2-40B4-BE49-F238E27FC236}">
+                <a16:creationId xmlns:a16="http://schemas.microsoft.com/office/drawing/2014/main" id="{94C988AE-BEF4-01A6-D158-655F02475EA4}"/>
               </a:ext>
             </a:extLst>
           </p:cNvPr>
@@ -4229,8 +4243,8 @@
         </p:blipFill>
         <p:spPr>
           <a:xfrm>
-            <a:off x="5458968" y="1676400"/>
-            <a:ext cx="6583679" cy="4023359"/>
+            <a:off x="4791075" y="1747838"/>
+            <a:ext cx="7303350" cy="2929438"/>
           </a:xfrm>
           <a:prstGeom prst="rect">
             <a:avLst/>
@@ -4240,7 +4254,7 @@
     </p:spTree>
     <p:extLst>
       <p:ext uri="{BB962C8B-B14F-4D97-AF65-F5344CB8AC3E}">
-        <p14:creationId xmlns:p14="http://schemas.microsoft.com/office/powerpoint/2010/main" val="3511780598"/>
+        <p14:creationId xmlns:p14="http://schemas.microsoft.com/office/powerpoint/2010/main" val="479578644"/>
       </p:ext>
     </p:extLst>
   </p:cSld>
@@ -4272,7 +4286,7 @@
           <p:cNvPr id="2" name="Cím 1">
             <a:extLst>
               <a:ext uri="{FF2B5EF4-FFF2-40B4-BE49-F238E27FC236}">
-                <a16:creationId xmlns:a16="http://schemas.microsoft.com/office/drawing/2014/main" id="{0EFFB5CA-1289-E49A-D6AC-DC29EA5BD411}"/>
+                <a16:creationId xmlns:a16="http://schemas.microsoft.com/office/drawing/2014/main" id="{BC189CDA-5E06-EF0F-D09F-43E0D29EDCAD}"/>
               </a:ext>
             </a:extLst>
           </p:cNvPr>
@@ -4298,21 +4312,7 @@
                 <a:latin typeface="Times New Roman" panose="02020603050405020304" pitchFamily="18" charset="0"/>
                 <a:cs typeface="Times New Roman" panose="02020603050405020304" pitchFamily="18" charset="0"/>
               </a:rPr>
-              <a:t>Factory</a:t>
-            </a:r>
-            <a:r>
-              <a:rPr lang="hu-HU" dirty="0">
-                <a:latin typeface="Times New Roman" panose="02020603050405020304" pitchFamily="18" charset="0"/>
-                <a:cs typeface="Times New Roman" panose="02020603050405020304" pitchFamily="18" charset="0"/>
-              </a:rPr>
-              <a:t> </a:t>
-            </a:r>
-            <a:r>
-              <a:rPr lang="hu-HU" dirty="0" err="1">
-                <a:latin typeface="Times New Roman" panose="02020603050405020304" pitchFamily="18" charset="0"/>
-                <a:cs typeface="Times New Roman" panose="02020603050405020304" pitchFamily="18" charset="0"/>
-              </a:rPr>
-              <a:t>Method</a:t>
+              <a:t>Iterator</a:t>
             </a:r>
             <a:endParaRPr lang="hu-HU" dirty="0">
               <a:latin typeface="Times New Roman" panose="02020603050405020304" pitchFamily="18" charset="0"/>
@@ -4326,7 +4326,7 @@
           <p:cNvPr id="3" name="Tartalom helye 2">
             <a:extLst>
               <a:ext uri="{FF2B5EF4-FFF2-40B4-BE49-F238E27FC236}">
-                <a16:creationId xmlns:a16="http://schemas.microsoft.com/office/drawing/2014/main" id="{2B9FBAF7-610D-FC9D-025B-F95834F11159}"/>
+                <a16:creationId xmlns:a16="http://schemas.microsoft.com/office/drawing/2014/main" id="{34BD5CD8-DD91-968C-48BF-E16802B01D1A}"/>
               </a:ext>
             </a:extLst>
           </p:cNvPr>
@@ -4339,13 +4339,13 @@
         </p:nvSpPr>
         <p:spPr>
           <a:xfrm>
-            <a:off x="-1" y="1023938"/>
-            <a:ext cx="4791075" cy="5834062"/>
+            <a:off x="0" y="1676400"/>
+            <a:ext cx="5305926" cy="5181599"/>
           </a:xfrm>
         </p:spPr>
         <p:txBody>
           <a:bodyPr>
-            <a:normAutofit/>
+            <a:noAutofit/>
           </a:bodyPr>
           <a:lstStyle/>
           <a:p>
@@ -4359,7 +4359,7 @@
                 <a:latin typeface="Times New Roman" panose="02020603050405020304" pitchFamily="18" charset="0"/>
                 <a:cs typeface="Times New Roman" panose="02020603050405020304" pitchFamily="18" charset="0"/>
               </a:rPr>
-              <a:t>Cél: megfelelő típusú dolgozó létrehozása </a:t>
+              <a:t>Cél: listák egységes bejárása </a:t>
             </a:r>
           </a:p>
           <a:p>
@@ -4369,32 +4369,11 @@
               </a:lnSpc>
             </a:pPr>
             <a:r>
-              <a:rPr lang="hu-HU" sz="2500" dirty="0" err="1">
-                <a:latin typeface="Times New Roman" panose="02020603050405020304" pitchFamily="18" charset="0"/>
-                <a:cs typeface="Times New Roman" panose="02020603050405020304" pitchFamily="18" charset="0"/>
-              </a:rPr>
-              <a:t>EmployeeFactory</a:t>
-            </a:r>
-            <a:r>
               <a:rPr lang="hu-HU" sz="2500" dirty="0">
                 <a:latin typeface="Times New Roman" panose="02020603050405020304" pitchFamily="18" charset="0"/>
                 <a:cs typeface="Times New Roman" panose="02020603050405020304" pitchFamily="18" charset="0"/>
               </a:rPr>
-              <a:t> – interfész (</a:t>
-            </a:r>
-            <a:r>
-              <a:rPr lang="hu-HU" sz="2500" dirty="0" err="1">
-                <a:latin typeface="Times New Roman" panose="02020603050405020304" pitchFamily="18" charset="0"/>
-                <a:cs typeface="Times New Roman" panose="02020603050405020304" pitchFamily="18" charset="0"/>
-              </a:rPr>
-              <a:t>createEmployee</a:t>
-            </a:r>
-            <a:r>
-              <a:rPr lang="hu-HU" sz="2500" dirty="0">
-                <a:latin typeface="Times New Roman" panose="02020603050405020304" pitchFamily="18" charset="0"/>
-                <a:cs typeface="Times New Roman" panose="02020603050405020304" pitchFamily="18" charset="0"/>
-              </a:rPr>
-              <a:t>)</a:t>
+              <a:t>Használat: dolgozók bejárása (IT / egyetemi) </a:t>
             </a:r>
           </a:p>
           <a:p>
@@ -4404,32 +4383,25 @@
               </a:lnSpc>
             </a:pPr>
             <a:r>
+              <a:rPr lang="hu-HU" sz="2500" dirty="0">
+                <a:latin typeface="Times New Roman" panose="02020603050405020304" pitchFamily="18" charset="0"/>
+                <a:cs typeface="Times New Roman" panose="02020603050405020304" pitchFamily="18" charset="0"/>
+              </a:rPr>
+              <a:t>Osztály: </a:t>
+            </a:r>
+            <a:r>
               <a:rPr lang="hu-HU" sz="2500" dirty="0" err="1">
                 <a:latin typeface="Times New Roman" panose="02020603050405020304" pitchFamily="18" charset="0"/>
                 <a:cs typeface="Times New Roman" panose="02020603050405020304" pitchFamily="18" charset="0"/>
               </a:rPr>
-              <a:t>EmployeeFactoryImpl</a:t>
+              <a:t>EmployeeIterator</a:t>
             </a:r>
             <a:r>
               <a:rPr lang="hu-HU" sz="2500" dirty="0">
                 <a:latin typeface="Times New Roman" panose="02020603050405020304" pitchFamily="18" charset="0"/>
                 <a:cs typeface="Times New Roman" panose="02020603050405020304" pitchFamily="18" charset="0"/>
               </a:rPr>
-              <a:t> – típus eldöntése (IT / </a:t>
-            </a:r>
-            <a:r>
-              <a:rPr lang="hu-HU" sz="2500" dirty="0" err="1">
-                <a:latin typeface="Times New Roman" panose="02020603050405020304" pitchFamily="18" charset="0"/>
-                <a:cs typeface="Times New Roman" panose="02020603050405020304" pitchFamily="18" charset="0"/>
-              </a:rPr>
-              <a:t>Uni</a:t>
-            </a:r>
-            <a:r>
-              <a:rPr lang="hu-HU" sz="2500" dirty="0">
-                <a:latin typeface="Times New Roman" panose="02020603050405020304" pitchFamily="18" charset="0"/>
-                <a:cs typeface="Times New Roman" panose="02020603050405020304" pitchFamily="18" charset="0"/>
-              </a:rPr>
-              <a:t>) </a:t>
+              <a:t> </a:t>
             </a:r>
           </a:p>
           <a:p>
@@ -4443,31 +4415,59 @@
                 <a:latin typeface="Times New Roman" panose="02020603050405020304" pitchFamily="18" charset="0"/>
                 <a:cs typeface="Times New Roman" panose="02020603050405020304" pitchFamily="18" charset="0"/>
               </a:rPr>
-              <a:t>Előny: az App-</a:t>
+              <a:t>Műveletek: </a:t>
             </a:r>
             <a:r>
               <a:rPr lang="hu-HU" sz="2500" dirty="0" err="1">
                 <a:latin typeface="Times New Roman" panose="02020603050405020304" pitchFamily="18" charset="0"/>
                 <a:cs typeface="Times New Roman" panose="02020603050405020304" pitchFamily="18" charset="0"/>
               </a:rPr>
-              <a:t>nak</a:t>
+              <a:t>getNextElement</a:t>
             </a:r>
             <a:r>
               <a:rPr lang="hu-HU" sz="2500" dirty="0">
                 <a:latin typeface="Times New Roman" panose="02020603050405020304" pitchFamily="18" charset="0"/>
                 <a:cs typeface="Times New Roman" panose="02020603050405020304" pitchFamily="18" charset="0"/>
               </a:rPr>
-              <a:t> nem kell tudnia, milyen objektum jön létre</a:t>
+              <a:t>(), </a:t>
+            </a:r>
+            <a:r>
+              <a:rPr lang="hu-HU" sz="2500" dirty="0" err="1">
+                <a:latin typeface="Times New Roman" panose="02020603050405020304" pitchFamily="18" charset="0"/>
+                <a:cs typeface="Times New Roman" panose="02020603050405020304" pitchFamily="18" charset="0"/>
+              </a:rPr>
+              <a:t>hasMoreElement</a:t>
+            </a:r>
+            <a:r>
+              <a:rPr lang="hu-HU" sz="2500" dirty="0">
+                <a:latin typeface="Times New Roman" panose="02020603050405020304" pitchFamily="18" charset="0"/>
+                <a:cs typeface="Times New Roman" panose="02020603050405020304" pitchFamily="18" charset="0"/>
+              </a:rPr>
+              <a:t>(), </a:t>
+            </a:r>
+            <a:r>
+              <a:rPr lang="hu-HU" sz="2500" dirty="0" err="1">
+                <a:latin typeface="Times New Roman" panose="02020603050405020304" pitchFamily="18" charset="0"/>
+                <a:cs typeface="Times New Roman" panose="02020603050405020304" pitchFamily="18" charset="0"/>
+              </a:rPr>
+              <a:t>resetIterator</a:t>
+            </a:r>
+            <a:r>
+              <a:rPr lang="hu-HU" sz="2500" dirty="0">
+                <a:latin typeface="Times New Roman" panose="02020603050405020304" pitchFamily="18" charset="0"/>
+                <a:cs typeface="Times New Roman" panose="02020603050405020304" pitchFamily="18" charset="0"/>
+              </a:rPr>
+              <a:t>()</a:t>
             </a:r>
           </a:p>
         </p:txBody>
       </p:sp>
       <p:pic>
         <p:nvPicPr>
-          <p:cNvPr id="5" name="Kép 4">
-            <a:extLst>
-              <a:ext uri="{FF2B5EF4-FFF2-40B4-BE49-F238E27FC236}">
-                <a16:creationId xmlns:a16="http://schemas.microsoft.com/office/drawing/2014/main" id="{94C988AE-BEF4-01A6-D158-655F02475EA4}"/>
+          <p:cNvPr id="6" name="Kép 5">
+            <a:extLst>
+              <a:ext uri="{FF2B5EF4-FFF2-40B4-BE49-F238E27FC236}">
+                <a16:creationId xmlns:a16="http://schemas.microsoft.com/office/drawing/2014/main" id="{6085B10F-E76A-5759-FACC-38C85EB9BBAF}"/>
               </a:ext>
             </a:extLst>
           </p:cNvPr>
@@ -4484,8 +4484,8 @@
         </p:blipFill>
         <p:spPr>
           <a:xfrm>
-            <a:off x="4791075" y="1747838"/>
-            <a:ext cx="7303350" cy="2929438"/>
+            <a:off x="5458968" y="1676400"/>
+            <a:ext cx="6583679" cy="4023359"/>
           </a:xfrm>
           <a:prstGeom prst="rect">
             <a:avLst/>
@@ -4495,7 +4495,7 @@
     </p:spTree>
     <p:extLst>
       <p:ext uri="{BB962C8B-B14F-4D97-AF65-F5344CB8AC3E}">
-        <p14:creationId xmlns:p14="http://schemas.microsoft.com/office/powerpoint/2010/main" val="479578644"/>
+        <p14:creationId xmlns:p14="http://schemas.microsoft.com/office/powerpoint/2010/main" val="3511780598"/>
       </p:ext>
     </p:extLst>
   </p:cSld>

--- a/docs/employee-management-system.pptx
+++ b/docs/employee-management-system.pptx
@@ -268,7 +268,7 @@
           <a:p>
             <a:fld id="{B98924CC-0B0C-4517-9F72-E64E97373B52}" type="datetimeFigureOut">
               <a:rPr lang="hu-HU" smtClean="0"/>
-              <a:t>2025. 11. 02.</a:t>
+              <a:t>2025. 11. 03.</a:t>
             </a:fld>
             <a:endParaRPr lang="hu-HU"/>
           </a:p>
@@ -466,7 +466,7 @@
           <a:p>
             <a:fld id="{B98924CC-0B0C-4517-9F72-E64E97373B52}" type="datetimeFigureOut">
               <a:rPr lang="hu-HU" smtClean="0"/>
-              <a:t>2025. 11. 02.</a:t>
+              <a:t>2025. 11. 03.</a:t>
             </a:fld>
             <a:endParaRPr lang="hu-HU"/>
           </a:p>
@@ -674,7 +674,7 @@
           <a:p>
             <a:fld id="{B98924CC-0B0C-4517-9F72-E64E97373B52}" type="datetimeFigureOut">
               <a:rPr lang="hu-HU" smtClean="0"/>
-              <a:t>2025. 11. 02.</a:t>
+              <a:t>2025. 11. 03.</a:t>
             </a:fld>
             <a:endParaRPr lang="hu-HU"/>
           </a:p>
@@ -872,7 +872,7 @@
           <a:p>
             <a:fld id="{B98924CC-0B0C-4517-9F72-E64E97373B52}" type="datetimeFigureOut">
               <a:rPr lang="hu-HU" smtClean="0"/>
-              <a:t>2025. 11. 02.</a:t>
+              <a:t>2025. 11. 03.</a:t>
             </a:fld>
             <a:endParaRPr lang="hu-HU"/>
           </a:p>
@@ -1147,7 +1147,7 @@
           <a:p>
             <a:fld id="{B98924CC-0B0C-4517-9F72-E64E97373B52}" type="datetimeFigureOut">
               <a:rPr lang="hu-HU" smtClean="0"/>
-              <a:t>2025. 11. 02.</a:t>
+              <a:t>2025. 11. 03.</a:t>
             </a:fld>
             <a:endParaRPr lang="hu-HU"/>
           </a:p>
@@ -1412,7 +1412,7 @@
           <a:p>
             <a:fld id="{B98924CC-0B0C-4517-9F72-E64E97373B52}" type="datetimeFigureOut">
               <a:rPr lang="hu-HU" smtClean="0"/>
-              <a:t>2025. 11. 02.</a:t>
+              <a:t>2025. 11. 03.</a:t>
             </a:fld>
             <a:endParaRPr lang="hu-HU"/>
           </a:p>
@@ -1824,7 +1824,7 @@
           <a:p>
             <a:fld id="{B98924CC-0B0C-4517-9F72-E64E97373B52}" type="datetimeFigureOut">
               <a:rPr lang="hu-HU" smtClean="0"/>
-              <a:t>2025. 11. 02.</a:t>
+              <a:t>2025. 11. 03.</a:t>
             </a:fld>
             <a:endParaRPr lang="hu-HU"/>
           </a:p>
@@ -1965,7 +1965,7 @@
           <a:p>
             <a:fld id="{B98924CC-0B0C-4517-9F72-E64E97373B52}" type="datetimeFigureOut">
               <a:rPr lang="hu-HU" smtClean="0"/>
-              <a:t>2025. 11. 02.</a:t>
+              <a:t>2025. 11. 03.</a:t>
             </a:fld>
             <a:endParaRPr lang="hu-HU"/>
           </a:p>
@@ -2078,7 +2078,7 @@
           <a:p>
             <a:fld id="{B98924CC-0B0C-4517-9F72-E64E97373B52}" type="datetimeFigureOut">
               <a:rPr lang="hu-HU" smtClean="0"/>
-              <a:t>2025. 11. 02.</a:t>
+              <a:t>2025. 11. 03.</a:t>
             </a:fld>
             <a:endParaRPr lang="hu-HU"/>
           </a:p>
@@ -2389,7 +2389,7 @@
           <a:p>
             <a:fld id="{B98924CC-0B0C-4517-9F72-E64E97373B52}" type="datetimeFigureOut">
               <a:rPr lang="hu-HU" smtClean="0"/>
-              <a:t>2025. 11. 02.</a:t>
+              <a:t>2025. 11. 03.</a:t>
             </a:fld>
             <a:endParaRPr lang="hu-HU"/>
           </a:p>
@@ -2677,7 +2677,7 @@
           <a:p>
             <a:fld id="{B98924CC-0B0C-4517-9F72-E64E97373B52}" type="datetimeFigureOut">
               <a:rPr lang="hu-HU" smtClean="0"/>
-              <a:t>2025. 11. 02.</a:t>
+              <a:t>2025. 11. 03.</a:t>
             </a:fld>
             <a:endParaRPr lang="hu-HU"/>
           </a:p>
@@ -2918,7 +2918,7 @@
           <a:p>
             <a:fld id="{B98924CC-0B0C-4517-9F72-E64E97373B52}" type="datetimeFigureOut">
               <a:rPr lang="hu-HU" smtClean="0"/>
-              <a:t>2025. 11. 02.</a:t>
+              <a:t>2025. 11. 03.</a:t>
             </a:fld>
             <a:endParaRPr lang="hu-HU"/>
           </a:p>
@@ -3928,14 +3928,28 @@
                 <a:latin typeface="Times New Roman" panose="02020603050405020304" pitchFamily="18" charset="0"/>
                 <a:cs typeface="Times New Roman" panose="02020603050405020304" pitchFamily="18" charset="0"/>
               </a:rPr>
-              <a:t>Iterator</a:t>
+              <a:t>Factory</a:t>
             </a:r>
             <a:r>
               <a:rPr lang="hu-HU" sz="3300" dirty="0">
                 <a:latin typeface="Times New Roman" panose="02020603050405020304" pitchFamily="18" charset="0"/>
                 <a:cs typeface="Times New Roman" panose="02020603050405020304" pitchFamily="18" charset="0"/>
               </a:rPr>
-              <a:t> – dolgozók listájának bejárása </a:t>
+              <a:t> </a:t>
+            </a:r>
+            <a:r>
+              <a:rPr lang="hu-HU" sz="3300" dirty="0" err="1">
+                <a:latin typeface="Times New Roman" panose="02020603050405020304" pitchFamily="18" charset="0"/>
+                <a:cs typeface="Times New Roman" panose="02020603050405020304" pitchFamily="18" charset="0"/>
+              </a:rPr>
+              <a:t>Method</a:t>
+            </a:r>
+            <a:r>
+              <a:rPr lang="hu-HU" sz="3300" dirty="0">
+                <a:latin typeface="Times New Roman" panose="02020603050405020304" pitchFamily="18" charset="0"/>
+                <a:cs typeface="Times New Roman" panose="02020603050405020304" pitchFamily="18" charset="0"/>
+              </a:rPr>
+              <a:t> – dolgozók létrehozása (IT vagy egyetemi) </a:t>
             </a:r>
           </a:p>
           <a:p>
@@ -3949,28 +3963,14 @@
                 <a:latin typeface="Times New Roman" panose="02020603050405020304" pitchFamily="18" charset="0"/>
                 <a:cs typeface="Times New Roman" panose="02020603050405020304" pitchFamily="18" charset="0"/>
               </a:rPr>
-              <a:t>Factory</a:t>
+              <a:t>Iterator</a:t>
             </a:r>
             <a:r>
               <a:rPr lang="hu-HU" sz="3300" dirty="0">
                 <a:latin typeface="Times New Roman" panose="02020603050405020304" pitchFamily="18" charset="0"/>
                 <a:cs typeface="Times New Roman" panose="02020603050405020304" pitchFamily="18" charset="0"/>
               </a:rPr>
-              <a:t> </a:t>
-            </a:r>
-            <a:r>
-              <a:rPr lang="hu-HU" sz="3300" dirty="0" err="1">
-                <a:latin typeface="Times New Roman" panose="02020603050405020304" pitchFamily="18" charset="0"/>
-                <a:cs typeface="Times New Roman" panose="02020603050405020304" pitchFamily="18" charset="0"/>
-              </a:rPr>
-              <a:t>Method</a:t>
-            </a:r>
-            <a:r>
-              <a:rPr lang="hu-HU" sz="3300" dirty="0">
-                <a:latin typeface="Times New Roman" panose="02020603050405020304" pitchFamily="18" charset="0"/>
-                <a:cs typeface="Times New Roman" panose="02020603050405020304" pitchFamily="18" charset="0"/>
-              </a:rPr>
-              <a:t> – dolgozók létrehozása (IT vagy egyetemi) </a:t>
+              <a:t> – dolgozók listájának bejárása </a:t>
             </a:r>
           </a:p>
           <a:p>
@@ -4422,6 +4422,20 @@
                 <a:latin typeface="Times New Roman" panose="02020603050405020304" pitchFamily="18" charset="0"/>
                 <a:cs typeface="Times New Roman" panose="02020603050405020304" pitchFamily="18" charset="0"/>
               </a:rPr>
+              <a:t>getCurrentElement</a:t>
+            </a:r>
+            <a:r>
+              <a:rPr lang="hu-HU" sz="2500" dirty="0">
+                <a:latin typeface="Times New Roman" panose="02020603050405020304" pitchFamily="18" charset="0"/>
+                <a:cs typeface="Times New Roman" panose="02020603050405020304" pitchFamily="18" charset="0"/>
+              </a:rPr>
+              <a:t>(), </a:t>
+            </a:r>
+            <a:r>
+              <a:rPr lang="hu-HU" sz="2500" dirty="0" err="1">
+                <a:latin typeface="Times New Roman" panose="02020603050405020304" pitchFamily="18" charset="0"/>
+                <a:cs typeface="Times New Roman" panose="02020603050405020304" pitchFamily="18" charset="0"/>
+              </a:rPr>
               <a:t>getNextElement</a:t>
             </a:r>
             <a:r>
@@ -4464,10 +4478,10 @@
       </p:sp>
       <p:pic>
         <p:nvPicPr>
-          <p:cNvPr id="6" name="Kép 5">
-            <a:extLst>
-              <a:ext uri="{FF2B5EF4-FFF2-40B4-BE49-F238E27FC236}">
-                <a16:creationId xmlns:a16="http://schemas.microsoft.com/office/drawing/2014/main" id="{6085B10F-E76A-5759-FACC-38C85EB9BBAF}"/>
+          <p:cNvPr id="10" name="Kép 9">
+            <a:extLst>
+              <a:ext uri="{FF2B5EF4-FFF2-40B4-BE49-F238E27FC236}">
+                <a16:creationId xmlns:a16="http://schemas.microsoft.com/office/drawing/2014/main" id="{34889E4E-3FE1-FE37-83CE-B889782C293D}"/>
               </a:ext>
             </a:extLst>
           </p:cNvPr>
@@ -4484,8 +4498,8 @@
         </p:blipFill>
         <p:spPr>
           <a:xfrm>
-            <a:off x="5458968" y="1676400"/>
-            <a:ext cx="6583679" cy="4023359"/>
+            <a:off x="6025896" y="45012"/>
+            <a:ext cx="6166104" cy="6767976"/>
           </a:xfrm>
           <a:prstGeom prst="rect">
             <a:avLst/>
